--- a/5조 프로포절 발표자료 v2.pptx
+++ b/5조 프로포절 발표자료 v2.pptx
@@ -265,7 +265,7 @@
           <a:p>
             <a:fld id="{036D8289-9769-4CB2-ADEB-2B5E2BCC6274}" type="datetimeFigureOut">
               <a:rPr lang="ko-KR" altLang="en-US" smtClean="0"/>
-              <a:t>2022-05-27</a:t>
+              <a:t>2022-05-28</a:t>
             </a:fld>
             <a:endParaRPr lang="ko-KR" altLang="en-US"/>
           </a:p>
@@ -335,18 +335,9 @@
   <p:clrMapOvr>
     <a:masterClrMapping/>
   </p:clrMapOvr>
-  <mc:AlternateContent xmlns:mc="http://schemas.openxmlformats.org/markup-compatibility/2006" xmlns:p159="http://schemas.microsoft.com/office/powerpoint/2015/09/main">
-    <mc:Choice Requires="p159">
-      <p:transition spd="slow">
-        <p159:morph option="byObject"/>
-      </p:transition>
-    </mc:Choice>
-    <mc:Fallback xmlns="">
-      <p:transition spd="slow">
-        <p:fade/>
-      </p:transition>
-    </mc:Fallback>
-  </mc:AlternateContent>
+  <p:transition spd="slow">
+    <p:fade/>
+  </p:transition>
 </p:sldLayout>
 </file>
 
@@ -475,7 +466,7 @@
           <a:p>
             <a:fld id="{036D8289-9769-4CB2-ADEB-2B5E2BCC6274}" type="datetimeFigureOut">
               <a:rPr lang="ko-KR" altLang="en-US" smtClean="0"/>
-              <a:t>2022-05-27</a:t>
+              <a:t>2022-05-28</a:t>
             </a:fld>
             <a:endParaRPr lang="ko-KR" altLang="en-US"/>
           </a:p>
@@ -545,18 +536,9 @@
   <p:clrMapOvr>
     <a:masterClrMapping/>
   </p:clrMapOvr>
-  <mc:AlternateContent xmlns:mc="http://schemas.openxmlformats.org/markup-compatibility/2006" xmlns:p159="http://schemas.microsoft.com/office/powerpoint/2015/09/main">
-    <mc:Choice Requires="p159">
-      <p:transition spd="slow">
-        <p159:morph option="byObject"/>
-      </p:transition>
-    </mc:Choice>
-    <mc:Fallback xmlns="">
-      <p:transition spd="slow">
-        <p:fade/>
-      </p:transition>
-    </mc:Fallback>
-  </mc:AlternateContent>
+  <p:transition spd="slow">
+    <p:fade/>
+  </p:transition>
 </p:sldLayout>
 </file>
 
@@ -695,7 +677,7 @@
           <a:p>
             <a:fld id="{036D8289-9769-4CB2-ADEB-2B5E2BCC6274}" type="datetimeFigureOut">
               <a:rPr lang="ko-KR" altLang="en-US" smtClean="0"/>
-              <a:t>2022-05-27</a:t>
+              <a:t>2022-05-28</a:t>
             </a:fld>
             <a:endParaRPr lang="ko-KR" altLang="en-US"/>
           </a:p>
@@ -765,18 +747,9 @@
   <p:clrMapOvr>
     <a:masterClrMapping/>
   </p:clrMapOvr>
-  <mc:AlternateContent xmlns:mc="http://schemas.openxmlformats.org/markup-compatibility/2006" xmlns:p159="http://schemas.microsoft.com/office/powerpoint/2015/09/main">
-    <mc:Choice Requires="p159">
-      <p:transition spd="slow">
-        <p159:morph option="byObject"/>
-      </p:transition>
-    </mc:Choice>
-    <mc:Fallback xmlns="">
-      <p:transition spd="slow">
-        <p:fade/>
-      </p:transition>
-    </mc:Fallback>
-  </mc:AlternateContent>
+  <p:transition spd="slow">
+    <p:fade/>
+  </p:transition>
 </p:sldLayout>
 </file>
 
@@ -905,7 +878,7 @@
           <a:p>
             <a:fld id="{036D8289-9769-4CB2-ADEB-2B5E2BCC6274}" type="datetimeFigureOut">
               <a:rPr lang="ko-KR" altLang="en-US" smtClean="0"/>
-              <a:t>2022-05-27</a:t>
+              <a:t>2022-05-28</a:t>
             </a:fld>
             <a:endParaRPr lang="ko-KR" altLang="en-US"/>
           </a:p>
@@ -975,18 +948,9 @@
   <p:clrMapOvr>
     <a:masterClrMapping/>
   </p:clrMapOvr>
-  <mc:AlternateContent xmlns:mc="http://schemas.openxmlformats.org/markup-compatibility/2006" xmlns:p159="http://schemas.microsoft.com/office/powerpoint/2015/09/main">
-    <mc:Choice Requires="p159">
-      <p:transition spd="slow">
-        <p159:morph option="byObject"/>
-      </p:transition>
-    </mc:Choice>
-    <mc:Fallback xmlns="">
-      <p:transition spd="slow">
-        <p:fade/>
-      </p:transition>
-    </mc:Fallback>
-  </mc:AlternateContent>
+  <p:transition spd="slow">
+    <p:fade/>
+  </p:transition>
 </p:sldLayout>
 </file>
 
@@ -1192,7 +1156,7 @@
           <a:p>
             <a:fld id="{036D8289-9769-4CB2-ADEB-2B5E2BCC6274}" type="datetimeFigureOut">
               <a:rPr lang="ko-KR" altLang="en-US" smtClean="0"/>
-              <a:t>2022-05-27</a:t>
+              <a:t>2022-05-28</a:t>
             </a:fld>
             <a:endParaRPr lang="ko-KR" altLang="en-US"/>
           </a:p>
@@ -1262,18 +1226,9 @@
   <p:clrMapOvr>
     <a:masterClrMapping/>
   </p:clrMapOvr>
-  <mc:AlternateContent xmlns:mc="http://schemas.openxmlformats.org/markup-compatibility/2006" xmlns:p159="http://schemas.microsoft.com/office/powerpoint/2015/09/main">
-    <mc:Choice Requires="p159">
-      <p:transition spd="slow">
-        <p159:morph option="byObject"/>
-      </p:transition>
-    </mc:Choice>
-    <mc:Fallback xmlns="">
-      <p:transition spd="slow">
-        <p:fade/>
-      </p:transition>
-    </mc:Fallback>
-  </mc:AlternateContent>
+  <p:transition spd="slow">
+    <p:fade/>
+  </p:transition>
 </p:sldLayout>
 </file>
 
@@ -1469,7 +1424,7 @@
           <a:p>
             <a:fld id="{036D8289-9769-4CB2-ADEB-2B5E2BCC6274}" type="datetimeFigureOut">
               <a:rPr lang="ko-KR" altLang="en-US" smtClean="0"/>
-              <a:t>2022-05-27</a:t>
+              <a:t>2022-05-28</a:t>
             </a:fld>
             <a:endParaRPr lang="ko-KR" altLang="en-US"/>
           </a:p>
@@ -1539,18 +1494,9 @@
   <p:clrMapOvr>
     <a:masterClrMapping/>
   </p:clrMapOvr>
-  <mc:AlternateContent xmlns:mc="http://schemas.openxmlformats.org/markup-compatibility/2006" xmlns:p159="http://schemas.microsoft.com/office/powerpoint/2015/09/main">
-    <mc:Choice Requires="p159">
-      <p:transition spd="slow">
-        <p159:morph option="byObject"/>
-      </p:transition>
-    </mc:Choice>
-    <mc:Fallback xmlns="">
-      <p:transition spd="slow">
-        <p:fade/>
-      </p:transition>
-    </mc:Fallback>
-  </mc:AlternateContent>
+  <p:transition spd="slow">
+    <p:fade/>
+  </p:transition>
 </p:sldLayout>
 </file>
 
@@ -1893,7 +1839,7 @@
           <a:p>
             <a:fld id="{036D8289-9769-4CB2-ADEB-2B5E2BCC6274}" type="datetimeFigureOut">
               <a:rPr lang="ko-KR" altLang="en-US" smtClean="0"/>
-              <a:t>2022-05-27</a:t>
+              <a:t>2022-05-28</a:t>
             </a:fld>
             <a:endParaRPr lang="ko-KR" altLang="en-US"/>
           </a:p>
@@ -1963,18 +1909,9 @@
   <p:clrMapOvr>
     <a:masterClrMapping/>
   </p:clrMapOvr>
-  <mc:AlternateContent xmlns:mc="http://schemas.openxmlformats.org/markup-compatibility/2006" xmlns:p159="http://schemas.microsoft.com/office/powerpoint/2015/09/main">
-    <mc:Choice Requires="p159">
-      <p:transition spd="slow">
-        <p159:morph option="byObject"/>
-      </p:transition>
-    </mc:Choice>
-    <mc:Fallback xmlns="">
-      <p:transition spd="slow">
-        <p:fade/>
-      </p:transition>
-    </mc:Fallback>
-  </mc:AlternateContent>
+  <p:transition spd="slow">
+    <p:fade/>
+  </p:transition>
 </p:sldLayout>
 </file>
 
@@ -2046,7 +1983,7 @@
           <a:p>
             <a:fld id="{036D8289-9769-4CB2-ADEB-2B5E2BCC6274}" type="datetimeFigureOut">
               <a:rPr lang="ko-KR" altLang="en-US" smtClean="0"/>
-              <a:t>2022-05-27</a:t>
+              <a:t>2022-05-28</a:t>
             </a:fld>
             <a:endParaRPr lang="ko-KR" altLang="en-US"/>
           </a:p>
@@ -2116,18 +2053,9 @@
   <p:clrMapOvr>
     <a:masterClrMapping/>
   </p:clrMapOvr>
-  <mc:AlternateContent xmlns:mc="http://schemas.openxmlformats.org/markup-compatibility/2006" xmlns:p159="http://schemas.microsoft.com/office/powerpoint/2015/09/main">
-    <mc:Choice Requires="p159">
-      <p:transition spd="slow">
-        <p159:morph option="byObject"/>
-      </p:transition>
-    </mc:Choice>
-    <mc:Fallback xmlns="">
-      <p:transition spd="slow">
-        <p:fade/>
-      </p:transition>
-    </mc:Fallback>
-  </mc:AlternateContent>
+  <p:transition spd="slow">
+    <p:fade/>
+  </p:transition>
 </p:sldLayout>
 </file>
 
@@ -2171,7 +2099,7 @@
           <a:p>
             <a:fld id="{036D8289-9769-4CB2-ADEB-2B5E2BCC6274}" type="datetimeFigureOut">
               <a:rPr lang="ko-KR" altLang="en-US" smtClean="0"/>
-              <a:t>2022-05-27</a:t>
+              <a:t>2022-05-28</a:t>
             </a:fld>
             <a:endParaRPr lang="ko-KR" altLang="en-US"/>
           </a:p>
@@ -2241,18 +2169,9 @@
   <p:clrMapOvr>
     <a:masterClrMapping/>
   </p:clrMapOvr>
-  <mc:AlternateContent xmlns:mc="http://schemas.openxmlformats.org/markup-compatibility/2006" xmlns:p159="http://schemas.microsoft.com/office/powerpoint/2015/09/main">
-    <mc:Choice Requires="p159">
-      <p:transition spd="slow">
-        <p159:morph option="byObject"/>
-      </p:transition>
-    </mc:Choice>
-    <mc:Fallback xmlns="">
-      <p:transition spd="slow">
-        <p:fade/>
-      </p:transition>
-    </mc:Fallback>
-  </mc:AlternateContent>
+  <p:transition spd="slow">
+    <p:fade/>
+  </p:transition>
 </p:sldLayout>
 </file>
 
@@ -2494,7 +2413,7 @@
           <a:p>
             <a:fld id="{036D8289-9769-4CB2-ADEB-2B5E2BCC6274}" type="datetimeFigureOut">
               <a:rPr lang="ko-KR" altLang="en-US" smtClean="0"/>
-              <a:t>2022-05-27</a:t>
+              <a:t>2022-05-28</a:t>
             </a:fld>
             <a:endParaRPr lang="ko-KR" altLang="en-US"/>
           </a:p>
@@ -2564,18 +2483,9 @@
   <p:clrMapOvr>
     <a:masterClrMapping/>
   </p:clrMapOvr>
-  <mc:AlternateContent xmlns:mc="http://schemas.openxmlformats.org/markup-compatibility/2006" xmlns:p159="http://schemas.microsoft.com/office/powerpoint/2015/09/main">
-    <mc:Choice Requires="p159">
-      <p:transition spd="slow">
-        <p159:morph option="byObject"/>
-      </p:transition>
-    </mc:Choice>
-    <mc:Fallback xmlns="">
-      <p:transition spd="slow">
-        <p:fade/>
-      </p:transition>
-    </mc:Fallback>
-  </mc:AlternateContent>
+  <p:transition spd="slow">
+    <p:fade/>
+  </p:transition>
 </p:sldLayout>
 </file>
 
@@ -2794,7 +2704,7 @@
           <a:p>
             <a:fld id="{036D8289-9769-4CB2-ADEB-2B5E2BCC6274}" type="datetimeFigureOut">
               <a:rPr lang="ko-KR" altLang="en-US" smtClean="0"/>
-              <a:t>2022-05-27</a:t>
+              <a:t>2022-05-28</a:t>
             </a:fld>
             <a:endParaRPr lang="ko-KR" altLang="en-US"/>
           </a:p>
@@ -2864,18 +2774,9 @@
   <p:clrMapOvr>
     <a:masterClrMapping/>
   </p:clrMapOvr>
-  <mc:AlternateContent xmlns:mc="http://schemas.openxmlformats.org/markup-compatibility/2006" xmlns:p159="http://schemas.microsoft.com/office/powerpoint/2015/09/main">
-    <mc:Choice Requires="p159">
-      <p:transition spd="slow">
-        <p159:morph option="byObject"/>
-      </p:transition>
-    </mc:Choice>
-    <mc:Fallback xmlns="">
-      <p:transition spd="slow">
-        <p:fade/>
-      </p:transition>
-    </mc:Fallback>
-  </mc:AlternateContent>
+  <p:transition spd="slow">
+    <p:fade/>
+  </p:transition>
 </p:sldLayout>
 </file>
 
@@ -3056,7 +2957,7 @@
           <a:p>
             <a:fld id="{036D8289-9769-4CB2-ADEB-2B5E2BCC6274}" type="datetimeFigureOut">
               <a:rPr lang="ko-KR" altLang="en-US" smtClean="0"/>
-              <a:t>2022-05-27</a:t>
+              <a:t>2022-05-28</a:t>
             </a:fld>
             <a:endParaRPr lang="ko-KR" altLang="en-US"/>
           </a:p>
@@ -3173,18 +3074,9 @@
     <p:sldLayoutId id="2147483658" r:id="rId10"/>
     <p:sldLayoutId id="2147483659" r:id="rId11"/>
   </p:sldLayoutIdLst>
-  <mc:AlternateContent xmlns:mc="http://schemas.openxmlformats.org/markup-compatibility/2006" xmlns:p159="http://schemas.microsoft.com/office/powerpoint/2015/09/main">
-    <mc:Choice Requires="p159">
-      <p:transition spd="slow">
-        <p159:morph option="byObject"/>
-      </p:transition>
-    </mc:Choice>
-    <mc:Fallback xmlns="">
-      <p:transition spd="slow">
-        <p:fade/>
-      </p:transition>
-    </mc:Fallback>
-  </mc:AlternateContent>
+  <p:transition spd="slow">
+    <p:fade/>
+  </p:transition>
   <p:txStyles>
     <p:titleStyle>
       <a:lvl1pPr algn="l" defTabSz="914400" rtl="0" eaLnBrk="1" latinLnBrk="1" hangingPunct="1">
@@ -3613,23 +3505,19 @@
             </a:r>
             <a:r>
               <a:rPr lang="en-US" altLang="ko-KR" sz="1800" dirty="0"/>
-              <a:t>|  </a:t>
+              <a:t>|</a:t>
             </a:r>
             <a:r>
               <a:rPr lang="ko-KR" altLang="en-US" sz="1800" dirty="0"/>
-              <a:t>원 영 오  </a:t>
+              <a:t>  이 준 희 </a:t>
             </a:r>
             <a:r>
               <a:rPr lang="en-US" altLang="ko-KR" sz="1800" dirty="0"/>
-              <a:t>|</a:t>
-            </a:r>
-            <a:r>
-              <a:rPr lang="ko-KR" altLang="en-US" sz="1800"/>
-              <a:t>  이 </a:t>
+              <a:t> |  </a:t>
             </a:r>
             <a:r>
               <a:rPr lang="ko-KR" altLang="en-US" sz="1800" dirty="0"/>
-              <a:t>준 희</a:t>
+              <a:t>원 영 오</a:t>
             </a:r>
             <a:endParaRPr lang="en-US" altLang="ko-KR" sz="1800" dirty="0"/>
           </a:p>
@@ -3668,18 +3556,9 @@
   <p:clrMapOvr>
     <a:masterClrMapping/>
   </p:clrMapOvr>
-  <mc:AlternateContent xmlns:mc="http://schemas.openxmlformats.org/markup-compatibility/2006" xmlns:p159="http://schemas.microsoft.com/office/powerpoint/2015/09/main">
-    <mc:Choice Requires="p159">
-      <p:transition spd="slow">
-        <p159:morph option="byObject"/>
-      </p:transition>
-    </mc:Choice>
-    <mc:Fallback xmlns="">
-      <p:transition spd="slow">
-        <p:fade/>
-      </p:transition>
-    </mc:Fallback>
-  </mc:AlternateContent>
+  <p:transition spd="slow">
+    <p:fade/>
+  </p:transition>
   <p:timing>
     <p:tnLst>
       <p:par>
@@ -4059,18 +3938,9 @@
   <p:clrMapOvr>
     <a:masterClrMapping/>
   </p:clrMapOvr>
-  <mc:AlternateContent xmlns:mc="http://schemas.openxmlformats.org/markup-compatibility/2006" xmlns:p159="http://schemas.microsoft.com/office/powerpoint/2015/09/main">
-    <mc:Choice Requires="p159">
-      <p:transition spd="slow">
-        <p159:morph option="byObject"/>
-      </p:transition>
-    </mc:Choice>
-    <mc:Fallback xmlns="">
-      <p:transition spd="slow">
-        <p:fade/>
-      </p:transition>
-    </mc:Fallback>
-  </mc:AlternateContent>
+  <p:transition spd="slow">
+    <p:fade/>
+  </p:transition>
 </p:sld>
 </file>
 
@@ -4406,18 +4276,9 @@
   <p:clrMapOvr>
     <a:masterClrMapping/>
   </p:clrMapOvr>
-  <mc:AlternateContent xmlns:mc="http://schemas.openxmlformats.org/markup-compatibility/2006" xmlns:p159="http://schemas.microsoft.com/office/powerpoint/2015/09/main">
-    <mc:Choice Requires="p159">
-      <p:transition spd="slow">
-        <p159:morph option="byObject"/>
-      </p:transition>
-    </mc:Choice>
-    <mc:Fallback xmlns="">
-      <p:transition spd="slow">
-        <p:fade/>
-      </p:transition>
-    </mc:Fallback>
-  </mc:AlternateContent>
+  <p:transition spd="slow">
+    <p:fade/>
+  </p:transition>
 </p:sld>
 </file>
 
@@ -4703,18 +4564,9 @@
   <p:clrMapOvr>
     <a:masterClrMapping/>
   </p:clrMapOvr>
-  <mc:AlternateContent xmlns:mc="http://schemas.openxmlformats.org/markup-compatibility/2006" xmlns:p159="http://schemas.microsoft.com/office/powerpoint/2015/09/main">
-    <mc:Choice Requires="p159">
-      <p:transition spd="slow">
-        <p159:morph option="byObject"/>
-      </p:transition>
-    </mc:Choice>
-    <mc:Fallback xmlns="">
-      <p:transition spd="slow">
-        <p:fade/>
-      </p:transition>
-    </mc:Fallback>
-  </mc:AlternateContent>
+  <p:transition spd="slow">
+    <p:fade/>
+  </p:transition>
 </p:sld>
 </file>
 
@@ -4944,18 +4796,9 @@
   <p:clrMapOvr>
     <a:masterClrMapping/>
   </p:clrMapOvr>
-  <mc:AlternateContent xmlns:mc="http://schemas.openxmlformats.org/markup-compatibility/2006" xmlns:p159="http://schemas.microsoft.com/office/powerpoint/2015/09/main">
-    <mc:Choice Requires="p159">
-      <p:transition spd="slow">
-        <p159:morph option="byObject"/>
-      </p:transition>
-    </mc:Choice>
-    <mc:Fallback xmlns="">
-      <p:transition spd="slow">
-        <p:fade/>
-      </p:transition>
-    </mc:Fallback>
-  </mc:AlternateContent>
+  <p:transition spd="slow">
+    <p:fade/>
+  </p:transition>
 </p:sld>
 </file>
 
@@ -5369,18 +5212,9 @@
   <p:clrMapOvr>
     <a:masterClrMapping/>
   </p:clrMapOvr>
-  <mc:AlternateContent xmlns:mc="http://schemas.openxmlformats.org/markup-compatibility/2006" xmlns:p159="http://schemas.microsoft.com/office/powerpoint/2015/09/main">
-    <mc:Choice Requires="p159">
-      <p:transition spd="slow">
-        <p159:morph option="byObject"/>
-      </p:transition>
-    </mc:Choice>
-    <mc:Fallback xmlns="">
-      <p:transition spd="slow">
-        <p:fade/>
-      </p:transition>
-    </mc:Fallback>
-  </mc:AlternateContent>
+  <p:transition spd="slow">
+    <p:fade/>
+  </p:transition>
 </p:sld>
 </file>
 
@@ -5567,18 +5401,9 @@
   <p:clrMapOvr>
     <a:masterClrMapping/>
   </p:clrMapOvr>
-  <mc:AlternateContent xmlns:mc="http://schemas.openxmlformats.org/markup-compatibility/2006" xmlns:p159="http://schemas.microsoft.com/office/powerpoint/2015/09/main">
-    <mc:Choice Requires="p159">
-      <p:transition spd="slow">
-        <p159:morph option="byObject"/>
-      </p:transition>
-    </mc:Choice>
-    <mc:Fallback xmlns="">
-      <p:transition spd="slow">
-        <p:fade/>
-      </p:transition>
-    </mc:Fallback>
-  </mc:AlternateContent>
+  <p:transition spd="slow">
+    <p:fade/>
+  </p:transition>
 </p:sld>
 </file>
 
